--- a/Presentation_Materials/Exploratory Data Analysis sans clustering.pptx
+++ b/Presentation_Materials/Exploratory Data Analysis sans clustering.pptx
@@ -3690,7 +3690,7 @@
       </p:grpSpPr>
       <p:pic>
         <p:nvPicPr>
-          <p:cNvPr id="7" name="Content Placeholder 6"/>
+          <p:cNvPr id="11" name="Content Placeholder 10"/>
           <p:cNvPicPr>
             <a:picLocks noGrp="1" noChangeAspect="1"/>
           </p:cNvPicPr>
@@ -3712,8 +3712,8 @@
         </p:blipFill>
         <p:spPr>
           <a:xfrm>
-            <a:off x="737992" y="547970"/>
-            <a:ext cx="11157790" cy="6086067"/>
+            <a:off x="205977" y="321021"/>
+            <a:ext cx="11967361" cy="6527652"/>
           </a:xfrm>
         </p:spPr>
       </p:pic>
@@ -3815,7 +3815,7 @@
         </p:nvSpPr>
         <p:spPr>
           <a:xfrm>
-            <a:off x="263047" y="475989"/>
+            <a:off x="263047" y="196072"/>
             <a:ext cx="2138727" cy="369332"/>
           </a:xfrm>
           <a:prstGeom prst="rect">
@@ -3875,8 +3875,8 @@
         </p:nvSpPr>
         <p:spPr>
           <a:xfrm>
-            <a:off x="2167241" y="5563072"/>
-            <a:ext cx="3247940" cy="369332"/>
+            <a:off x="1924645" y="5686817"/>
+            <a:ext cx="4647426" cy="923330"/>
           </a:xfrm>
           <a:prstGeom prst="rect">
             <a:avLst/>
@@ -3889,48 +3889,67 @@
           <a:lstStyle/>
           <a:p>
             <a:r>
-              <a:rPr lang="en-US" smtClean="0"/>
-              <a:t>• 1905 year-district observations</a:t>
-            </a:r>
-            <a:endParaRPr lang="en-US" dirty="0" smtClean="0"/>
-          </a:p>
-        </p:txBody>
-      </p:sp>
-      <p:sp>
-        <p:nvSpPr>
-          <p:cNvPr id="12" name="TextBox 11"/>
-          <p:cNvSpPr txBox="1"/>
-          <p:nvPr/>
-        </p:nvSpPr>
-        <p:spPr>
-          <a:xfrm>
-            <a:off x="2167241" y="5995036"/>
-            <a:ext cx="1240971" cy="369332"/>
-          </a:xfrm>
-          <a:prstGeom prst="rect">
-            <a:avLst/>
-          </a:prstGeom>
-          <a:noFill/>
-        </p:spPr>
-        <p:txBody>
-          <a:bodyPr wrap="square" rtlCol="0">
-            <a:spAutoFit/>
-          </a:bodyPr>
-          <a:lstStyle/>
-          <a:p>
-            <a:r>
-              <a:rPr lang="en-US" dirty="0" smtClean="0"/>
+              <a:rPr lang="en-US" dirty="0">
+                <a:latin typeface="Menlo" charset="0"/>
+                <a:ea typeface="Menlo" charset="0"/>
+                <a:cs typeface="Menlo" charset="0"/>
+              </a:rPr>
+              <a:t>Y</a:t>
+            </a:r>
+            <a:r>
+              <a:rPr lang="en-US" dirty="0" smtClean="0">
+                <a:latin typeface="Menlo" charset="0"/>
+                <a:ea typeface="Menlo" charset="0"/>
+                <a:cs typeface="Menlo" charset="0"/>
+              </a:rPr>
+              <a:t>ear-district observations: 1905</a:t>
+            </a:r>
+          </a:p>
+          <a:p>
+            <a:r>
+              <a:rPr lang="en-US" dirty="0" smtClean="0">
+                <a:latin typeface="Menlo" charset="0"/>
+                <a:ea typeface="Menlo" charset="0"/>
+                <a:cs typeface="Menlo" charset="0"/>
+              </a:rPr>
+              <a:t>    </a:t>
+            </a:r>
+            <a:r>
+              <a:rPr lang="en-US" dirty="0" smtClean="0">
+                <a:latin typeface="Menlo" charset="0"/>
+                <a:ea typeface="Menlo" charset="0"/>
+                <a:cs typeface="Menlo" charset="0"/>
+              </a:rPr>
               <a:t>• </a:t>
             </a:r>
             <a:r>
-              <a:rPr lang="cs-CZ" dirty="0" smtClean="0"/>
+              <a:rPr lang="cs-CZ" dirty="0" smtClean="0">
+                <a:latin typeface="Menlo" charset="0"/>
+                <a:ea typeface="Menlo" charset="0"/>
+                <a:cs typeface="Menlo" charset="0"/>
+              </a:rPr>
               <a:t>120 </a:t>
             </a:r>
             <a:r>
-              <a:rPr lang="cs-CZ" dirty="0" err="1" smtClean="0"/>
+              <a:rPr lang="cs-CZ" dirty="0" err="1" smtClean="0">
+                <a:latin typeface="Menlo" charset="0"/>
+                <a:ea typeface="Menlo" charset="0"/>
+                <a:cs typeface="Menlo" charset="0"/>
+              </a:rPr>
               <a:t>NAs</a:t>
             </a:r>
-            <a:endParaRPr lang="cs-CZ" dirty="0" smtClean="0"/>
+            <a:endParaRPr lang="cs-CZ" dirty="0" smtClean="0">
+              <a:latin typeface="Menlo" charset="0"/>
+              <a:ea typeface="Menlo" charset="0"/>
+              <a:cs typeface="Menlo" charset="0"/>
+            </a:endParaRPr>
+          </a:p>
+          <a:p>
+            <a:endParaRPr lang="en-US" dirty="0" smtClean="0">
+              <a:latin typeface="Menlo" charset="0"/>
+              <a:ea typeface="Menlo" charset="0"/>
+              <a:cs typeface="Menlo" charset="0"/>
+            </a:endParaRPr>
           </a:p>
         </p:txBody>
       </p:sp>
@@ -3979,7 +3998,7 @@
         </p:nvSpPr>
         <p:spPr>
           <a:xfrm>
-            <a:off x="391886" y="440871"/>
+            <a:off x="391886" y="179617"/>
             <a:ext cx="1139799" cy="369332"/>
           </a:xfrm>
           <a:prstGeom prst="rect">
@@ -4009,7 +4028,7 @@
         </p:nvSpPr>
         <p:spPr>
           <a:xfrm>
-            <a:off x="205274" y="1054745"/>
+            <a:off x="205274" y="962712"/>
             <a:ext cx="12409713" cy="4708981"/>
           </a:xfrm>
           <a:prstGeom prst="rect">
@@ -4038,7 +4057,7 @@
         </p:nvSpPr>
         <p:spPr>
           <a:xfrm>
-            <a:off x="4682735" y="625537"/>
+            <a:off x="4682735" y="577991"/>
             <a:ext cx="2478499" cy="369332"/>
           </a:xfrm>
           <a:prstGeom prst="rect">
@@ -4067,7 +4086,7 @@
         </p:nvSpPr>
         <p:spPr>
           <a:xfrm>
-            <a:off x="9386597" y="6106113"/>
+            <a:off x="8341568" y="5687082"/>
             <a:ext cx="1304716" cy="400110"/>
           </a:xfrm>
           <a:prstGeom prst="rect">
@@ -4090,6 +4109,44 @@
               <a:t>…</a:t>
             </a:r>
             <a:endParaRPr lang="en-US" sz="2000" dirty="0"/>
+          </a:p>
+        </p:txBody>
+      </p:sp>
+      <p:sp>
+        <p:nvSpPr>
+          <p:cNvPr id="13" name="TextBox 12"/>
+          <p:cNvSpPr txBox="1"/>
+          <p:nvPr/>
+        </p:nvSpPr>
+        <p:spPr>
+          <a:xfrm>
+            <a:off x="706564" y="6085456"/>
+            <a:ext cx="4368504" cy="369332"/>
+          </a:xfrm>
+          <a:prstGeom prst="rect">
+            <a:avLst/>
+          </a:prstGeom>
+          <a:noFill/>
+        </p:spPr>
+        <p:txBody>
+          <a:bodyPr wrap="none" rtlCol="0">
+            <a:spAutoFit/>
+          </a:bodyPr>
+          <a:lstStyle/>
+          <a:p>
+            <a:r>
+              <a:rPr lang="en-US" dirty="0" smtClean="0">
+                <a:latin typeface="Menlo" charset="0"/>
+                <a:ea typeface="Menlo" charset="0"/>
+                <a:cs typeface="Menlo" charset="0"/>
+              </a:rPr>
+              <a:t>Local Authority Districts: 326</a:t>
+            </a:r>
+            <a:endParaRPr lang="en-US" dirty="0">
+              <a:latin typeface="Menlo" charset="0"/>
+              <a:ea typeface="Menlo" charset="0"/>
+              <a:cs typeface="Menlo" charset="0"/>
+            </a:endParaRPr>
           </a:p>
         </p:txBody>
       </p:sp>

--- a/Presentation_Materials/Exploratory Data Analysis sans clustering.pptx
+++ b/Presentation_Materials/Exploratory Data Analysis sans clustering.pptx
@@ -532,7 +532,7 @@
               <a:rPr lang="en-US" smtClean="0"/>
               <a:t>2</a:t>
             </a:fld>
-            <a:endParaRPr lang="en-US"/>
+            <a:endParaRPr lang="en-US" dirty="0"/>
           </a:p>
         </p:txBody>
       </p:sp>
@@ -616,7 +616,7 @@
               <a:rPr lang="en-US" smtClean="0"/>
               <a:t>3</a:t>
             </a:fld>
-            <a:endParaRPr lang="en-US"/>
+            <a:endParaRPr lang="en-US" dirty="0"/>
           </a:p>
         </p:txBody>
       </p:sp>
@@ -3740,10 +3740,10 @@
           <a:lstStyle/>
           <a:p>
             <a:r>
-              <a:rPr lang="en-US" smtClean="0"/>
+              <a:rPr lang="en-US" dirty="0" smtClean="0"/>
               <a:t>Crime Data</a:t>
             </a:r>
-            <a:endParaRPr lang="en-US"/>
+            <a:endParaRPr lang="en-US" dirty="0"/>
           </a:p>
         </p:txBody>
       </p:sp>
@@ -3876,7 +3876,7 @@
         <p:spPr>
           <a:xfrm>
             <a:off x="1924645" y="5686817"/>
-            <a:ext cx="4647426" cy="923330"/>
+            <a:ext cx="5484194" cy="923330"/>
           </a:xfrm>
           <a:prstGeom prst="rect">
             <a:avLst/>
@@ -3928,7 +3928,7 @@
                 <a:ea typeface="Menlo" charset="0"/>
                 <a:cs typeface="Menlo" charset="0"/>
               </a:rPr>
-              <a:t>120 </a:t>
+              <a:t>120 No </a:t>
             </a:r>
             <a:r>
               <a:rPr lang="cs-CZ" dirty="0" err="1" smtClean="0">
@@ -3936,13 +3936,32 @@
                 <a:ea typeface="Menlo" charset="0"/>
                 <a:cs typeface="Menlo" charset="0"/>
               </a:rPr>
-              <a:t>NAs</a:t>
-            </a:r>
-            <a:endParaRPr lang="cs-CZ" dirty="0" smtClean="0">
-              <a:latin typeface="Menlo" charset="0"/>
-              <a:ea typeface="Menlo" charset="0"/>
-              <a:cs typeface="Menlo" charset="0"/>
-            </a:endParaRPr>
+              <a:t>Unemployment</a:t>
+            </a:r>
+            <a:r>
+              <a:rPr lang="cs-CZ" dirty="0" smtClean="0">
+                <a:latin typeface="Menlo" charset="0"/>
+                <a:ea typeface="Menlo" charset="0"/>
+                <a:cs typeface="Menlo" charset="0"/>
+              </a:rPr>
+              <a:t> </a:t>
+            </a:r>
+            <a:r>
+              <a:rPr lang="cs-CZ" dirty="0" err="1" smtClean="0">
+                <a:latin typeface="Menlo" charset="0"/>
+                <a:ea typeface="Menlo" charset="0"/>
+                <a:cs typeface="Menlo" charset="0"/>
+              </a:rPr>
+              <a:t>Information</a:t>
+            </a:r>
+            <a:r>
+              <a:rPr lang="cs-CZ" dirty="0" smtClean="0">
+                <a:latin typeface="Menlo" charset="0"/>
+                <a:ea typeface="Menlo" charset="0"/>
+                <a:cs typeface="Menlo" charset="0"/>
+              </a:rPr>
+              <a:t> </a:t>
+            </a:r>
           </a:p>
           <a:p>
             <a:endParaRPr lang="en-US" dirty="0" smtClean="0">
@@ -3953,6 +3972,37 @@
           </a:p>
         </p:txBody>
       </p:sp>
+      <p:pic>
+        <p:nvPicPr>
+          <p:cNvPr id="13" name="Picture 12"/>
+          <p:cNvPicPr>
+            <a:picLocks noChangeAspect="1"/>
+          </p:cNvPicPr>
+          <p:nvPr/>
+        </p:nvPicPr>
+        <p:blipFill>
+          <a:blip r:embed="rId4">
+            <a:alphaModFix amt="82000"/>
+            <a:extLst>
+              <a:ext uri="{28A0092B-C50C-407E-A947-70E740481C1C}">
+                <a14:useLocalDpi xmlns:a14="http://schemas.microsoft.com/office/drawing/2010/main" val="0"/>
+              </a:ext>
+            </a:extLst>
+          </a:blip>
+          <a:stretch>
+            <a:fillRect/>
+          </a:stretch>
+        </p:blipFill>
+        <p:spPr>
+          <a:xfrm>
+            <a:off x="10822484" y="4313154"/>
+            <a:ext cx="1219200" cy="1619250"/>
+          </a:xfrm>
+          <a:prstGeom prst="rect">
+            <a:avLst/>
+          </a:prstGeom>
+        </p:spPr>
+      </p:pic>
     </p:spTree>
     <p:extLst>
       <p:ext uri="{BB962C8B-B14F-4D97-AF65-F5344CB8AC3E}">
